--- a/114-ASQL-AWS-Aurora-Compete/ASQL vs AWS Aurora Compete.pptx
+++ b/114-ASQL-AWS-Aurora-Compete/ASQL vs AWS Aurora Compete.pptx
@@ -5,7 +5,7 @@
     <p:sldMasterId id="2147483648" r:id="rId1"/>
   </p:sldMasterIdLst>
   <p:notesMasterIdLst>
-    <p:notesMasterId r:id="rId14"/>
+    <p:notesMasterId r:id="rId15"/>
   </p:notesMasterIdLst>
   <p:sldIdLst>
     <p:sldId id="256" r:id="rId2"/>
@@ -15,11 +15,12 @@
     <p:sldId id="259" r:id="rId6"/>
     <p:sldId id="261" r:id="rId7"/>
     <p:sldId id="262" r:id="rId8"/>
-    <p:sldId id="263" r:id="rId9"/>
-    <p:sldId id="264" r:id="rId10"/>
-    <p:sldId id="266" r:id="rId11"/>
-    <p:sldId id="267" r:id="rId12"/>
-    <p:sldId id="265" r:id="rId13"/>
+    <p:sldId id="269" r:id="rId9"/>
+    <p:sldId id="263" r:id="rId10"/>
+    <p:sldId id="264" r:id="rId11"/>
+    <p:sldId id="266" r:id="rId12"/>
+    <p:sldId id="267" r:id="rId13"/>
+    <p:sldId id="265" r:id="rId14"/>
   </p:sldIdLst>
   <p:sldSz cx="12192000" cy="6858000"/>
   <p:notesSz cx="6858000" cy="9144000"/>
@@ -4135,25 +4136,34 @@
           <a:bodyPr/>
           <a:lstStyle/>
           <a:p>
+            <a:r>
+              <a:rPr lang="en-IE" dirty="0"/>
+              <a:t>MS SQL started in 1989 with Sybase. </a:t>
+            </a:r>
+          </a:p>
+          <a:p>
             <a:endParaRPr lang="en-IE" dirty="0"/>
           </a:p>
           <a:p>
             <a:r>
               <a:rPr lang="en-IE" dirty="0"/>
-              <a:t>AWS</a:t>
-            </a:r>
+              <a:t>Split from Sybase and released MS SQL Server 6.0 in 1995. </a:t>
+            </a:r>
+          </a:p>
+          <a:p>
+            <a:endParaRPr lang="en-IE" dirty="0"/>
+          </a:p>
+          <a:p>
+            <a:endParaRPr lang="en-IE" dirty="0"/>
+          </a:p>
+          <a:p>
+            <a:endParaRPr lang="en-IE" dirty="0"/>
           </a:p>
           <a:p>
             <a:r>
               <a:rPr lang="en-IE" dirty="0"/>
-              <a:t>https://aws.amazon.com/rds/aurora/sla/</a:t>
-            </a:r>
-          </a:p>
-          <a:p>
-            <a:endParaRPr lang="en-IE" dirty="0"/>
-          </a:p>
-          <a:p>
-            <a:endParaRPr lang="en-IE" dirty="0"/>
+              <a:t>https://en.wikipedia.org/wiki/History_of_Microsoft_SQL_Server</a:t>
+            </a:r>
           </a:p>
           <a:p>
             <a:endParaRPr lang="en-IE" dirty="0"/>
@@ -4177,7 +4187,7 @@
           <a:p>
             <a:fld id="{6493672A-5ACD-4F91-987B-4AE2588DC632}" type="slidenum">
               <a:rPr lang="en-IE" smtClean="0"/>
-              <a:t>9</a:t>
+              <a:t>8</a:t>
             </a:fld>
             <a:endParaRPr lang="en-IE"/>
           </a:p>
@@ -4186,7 +4196,7 @@
     </p:spTree>
     <p:extLst>
       <p:ext uri="{BB962C8B-B14F-4D97-AF65-F5344CB8AC3E}">
-        <p14:creationId xmlns:p14="http://schemas.microsoft.com/office/powerpoint/2010/main" val="2445326673"/>
+        <p14:creationId xmlns:p14="http://schemas.microsoft.com/office/powerpoint/2010/main" val="1515861806"/>
       </p:ext>
     </p:extLst>
   </p:cSld>
@@ -4240,10 +4250,28 @@
           <a:bodyPr/>
           <a:lstStyle/>
           <a:p>
+            <a:endParaRPr lang="en-IE" dirty="0"/>
+          </a:p>
+          <a:p>
             <a:r>
               <a:rPr lang="en-IE" dirty="0"/>
-              <a:t>https://azure.microsoft.com/en-us/support/legal/sla/azure-sql-database/v1_6/</a:t>
-            </a:r>
+              <a:t>AWS</a:t>
+            </a:r>
+          </a:p>
+          <a:p>
+            <a:r>
+              <a:rPr lang="en-IE" dirty="0"/>
+              <a:t>https://aws.amazon.com/rds/aurora/sla/</a:t>
+            </a:r>
+          </a:p>
+          <a:p>
+            <a:endParaRPr lang="en-IE" dirty="0"/>
+          </a:p>
+          <a:p>
+            <a:endParaRPr lang="en-IE" dirty="0"/>
+          </a:p>
+          <a:p>
+            <a:endParaRPr lang="en-IE" dirty="0"/>
           </a:p>
         </p:txBody>
       </p:sp>
@@ -4265,6 +4293,93 @@
             <a:fld id="{6493672A-5ACD-4F91-987B-4AE2588DC632}" type="slidenum">
               <a:rPr lang="en-IE" smtClean="0"/>
               <a:t>10</a:t>
+            </a:fld>
+            <a:endParaRPr lang="en-IE"/>
+          </a:p>
+        </p:txBody>
+      </p:sp>
+    </p:spTree>
+    <p:extLst>
+      <p:ext uri="{BB962C8B-B14F-4D97-AF65-F5344CB8AC3E}">
+        <p14:creationId xmlns:p14="http://schemas.microsoft.com/office/powerpoint/2010/main" val="2445326673"/>
+      </p:ext>
+    </p:extLst>
+  </p:cSld>
+  <p:clrMapOvr>
+    <a:masterClrMapping/>
+  </p:clrMapOvr>
+</p:notes>
+</file>
+
+<file path=ppt/notesSlides/notesSlide5.xml><?xml version="1.0" encoding="utf-8"?>
+<p:notes xmlns:a="http://schemas.openxmlformats.org/drawingml/2006/main" xmlns:r="http://schemas.openxmlformats.org/officeDocument/2006/relationships" xmlns:p="http://schemas.openxmlformats.org/presentationml/2006/main">
+  <p:cSld>
+    <p:spTree>
+      <p:nvGrpSpPr>
+        <p:cNvPr id="1" name=""/>
+        <p:cNvGrpSpPr/>
+        <p:nvPr/>
+      </p:nvGrpSpPr>
+      <p:grpSpPr>
+        <a:xfrm>
+          <a:off x="0" y="0"/>
+          <a:ext cx="0" cy="0"/>
+          <a:chOff x="0" y="0"/>
+          <a:chExt cx="0" cy="0"/>
+        </a:xfrm>
+      </p:grpSpPr>
+      <p:sp>
+        <p:nvSpPr>
+          <p:cNvPr id="2" name="Slide Image Placeholder 1"/>
+          <p:cNvSpPr>
+            <a:spLocks noGrp="1" noRot="1" noChangeAspect="1"/>
+          </p:cNvSpPr>
+          <p:nvPr>
+            <p:ph type="sldImg"/>
+          </p:nvPr>
+        </p:nvSpPr>
+        <p:spPr/>
+      </p:sp>
+      <p:sp>
+        <p:nvSpPr>
+          <p:cNvPr id="3" name="Notes Placeholder 2"/>
+          <p:cNvSpPr>
+            <a:spLocks noGrp="1"/>
+          </p:cNvSpPr>
+          <p:nvPr>
+            <p:ph type="body" idx="1"/>
+          </p:nvPr>
+        </p:nvSpPr>
+        <p:spPr/>
+        <p:txBody>
+          <a:bodyPr/>
+          <a:lstStyle/>
+          <a:p>
+            <a:r>
+              <a:rPr lang="en-IE" dirty="0"/>
+              <a:t>https://azure.microsoft.com/en-us/support/legal/sla/azure-sql-database/v1_6/</a:t>
+            </a:r>
+          </a:p>
+        </p:txBody>
+      </p:sp>
+      <p:sp>
+        <p:nvSpPr>
+          <p:cNvPr id="4" name="Slide Number Placeholder 3"/>
+          <p:cNvSpPr>
+            <a:spLocks noGrp="1"/>
+          </p:cNvSpPr>
+          <p:nvPr>
+            <p:ph type="sldNum" sz="quarter" idx="5"/>
+          </p:nvPr>
+        </p:nvSpPr>
+        <p:spPr/>
+        <p:txBody>
+          <a:bodyPr/>
+          <a:lstStyle/>
+          <a:p>
+            <a:fld id="{6493672A-5ACD-4F91-987B-4AE2588DC632}" type="slidenum">
+              <a:rPr lang="en-IE" smtClean="0"/>
+              <a:t>11</a:t>
             </a:fld>
             <a:endParaRPr lang="en-IE"/>
           </a:p>
@@ -7568,7 +7683,7 @@
           <a:lstStyle/>
           <a:p>
             <a:r>
-              <a:rPr lang="en-IE"/>
+              <a:rPr lang="en-IE" dirty="0"/>
               <a:t>Price comparison</a:t>
             </a:r>
           </a:p>
@@ -7588,6 +7703,94 @@
 </file>
 
 <file path=ppt/slides/slide10.xml><?xml version="1.0" encoding="utf-8"?>
+<p:sld xmlns:a="http://schemas.openxmlformats.org/drawingml/2006/main" xmlns:r="http://schemas.openxmlformats.org/officeDocument/2006/relationships" xmlns:p="http://schemas.openxmlformats.org/presentationml/2006/main">
+  <p:cSld>
+    <p:spTree>
+      <p:nvGrpSpPr>
+        <p:cNvPr id="1" name=""/>
+        <p:cNvGrpSpPr/>
+        <p:nvPr/>
+      </p:nvGrpSpPr>
+      <p:grpSpPr>
+        <a:xfrm>
+          <a:off x="0" y="0"/>
+          <a:ext cx="0" cy="0"/>
+          <a:chOff x="0" y="0"/>
+          <a:chExt cx="0" cy="0"/>
+        </a:xfrm>
+      </p:grpSpPr>
+      <p:sp>
+        <p:nvSpPr>
+          <p:cNvPr id="2" name="Title 1">
+            <a:extLst>
+              <a:ext uri="{FF2B5EF4-FFF2-40B4-BE49-F238E27FC236}">
+                <a16:creationId xmlns:a16="http://schemas.microsoft.com/office/drawing/2014/main" id="{998358FA-872D-4FBA-B00E-36ECC41C8A32}"/>
+              </a:ext>
+            </a:extLst>
+          </p:cNvPr>
+          <p:cNvSpPr>
+            <a:spLocks noGrp="1"/>
+          </p:cNvSpPr>
+          <p:nvPr>
+            <p:ph type="title"/>
+          </p:nvPr>
+        </p:nvSpPr>
+        <p:spPr/>
+        <p:txBody>
+          <a:bodyPr/>
+          <a:lstStyle/>
+          <a:p>
+            <a:r>
+              <a:rPr lang="en-IE" dirty="0"/>
+              <a:t>AWS Aurora SLA</a:t>
+            </a:r>
+          </a:p>
+        </p:txBody>
+      </p:sp>
+      <p:pic>
+        <p:nvPicPr>
+          <p:cNvPr id="5" name="Picture 4">
+            <a:extLst>
+              <a:ext uri="{FF2B5EF4-FFF2-40B4-BE49-F238E27FC236}">
+                <a16:creationId xmlns:a16="http://schemas.microsoft.com/office/drawing/2014/main" id="{6EA2F876-753F-480A-8938-9D424CF6BFBE}"/>
+              </a:ext>
+            </a:extLst>
+          </p:cNvPr>
+          <p:cNvPicPr>
+            <a:picLocks noChangeAspect="1"/>
+          </p:cNvPicPr>
+          <p:nvPr/>
+        </p:nvPicPr>
+        <p:blipFill>
+          <a:blip r:embed="rId3"/>
+          <a:stretch>
+            <a:fillRect/>
+          </a:stretch>
+        </p:blipFill>
+        <p:spPr>
+          <a:xfrm>
+            <a:off x="1102360" y="1797065"/>
+            <a:ext cx="9646920" cy="4143717"/>
+          </a:xfrm>
+          <a:prstGeom prst="rect">
+            <a:avLst/>
+          </a:prstGeom>
+        </p:spPr>
+      </p:pic>
+    </p:spTree>
+    <p:extLst>
+      <p:ext uri="{BB962C8B-B14F-4D97-AF65-F5344CB8AC3E}">
+        <p14:creationId xmlns:p14="http://schemas.microsoft.com/office/powerpoint/2010/main" val="3747330040"/>
+      </p:ext>
+    </p:extLst>
+  </p:cSld>
+  <p:clrMapOvr>
+    <a:masterClrMapping/>
+  </p:clrMapOvr>
+</p:sld>
+</file>
+
+<file path=ppt/slides/slide11.xml><?xml version="1.0" encoding="utf-8"?>
 <p:sld xmlns:a="http://schemas.openxmlformats.org/drawingml/2006/main" xmlns:r="http://schemas.openxmlformats.org/officeDocument/2006/relationships" xmlns:p="http://schemas.openxmlformats.org/presentationml/2006/main">
   <p:cSld>
     <p:spTree>
@@ -7647,7 +7850,7 @@
 </p:sld>
 </file>
 
-<file path=ppt/slides/slide11.xml><?xml version="1.0" encoding="utf-8"?>
+<file path=ppt/slides/slide12.xml><?xml version="1.0" encoding="utf-8"?>
 <p:sld xmlns:a="http://schemas.openxmlformats.org/drawingml/2006/main" xmlns:r="http://schemas.openxmlformats.org/officeDocument/2006/relationships" xmlns:p="http://schemas.openxmlformats.org/presentationml/2006/main">
   <p:cSld>
     <p:spTree>
@@ -7900,7 +8103,7 @@
 </p:sld>
 </file>
 
-<file path=ppt/slides/slide12.xml><?xml version="1.0" encoding="utf-8"?>
+<file path=ppt/slides/slide13.xml><?xml version="1.0" encoding="utf-8"?>
 <p:sld xmlns:a="http://schemas.openxmlformats.org/drawingml/2006/main" xmlns:r="http://schemas.openxmlformats.org/officeDocument/2006/relationships" xmlns:p="http://schemas.openxmlformats.org/presentationml/2006/main">
   <p:cSld>
     <p:spTree>
@@ -9438,7 +9641,7 @@
           <p:cNvPr id="2" name="Title 1">
             <a:extLst>
               <a:ext uri="{FF2B5EF4-FFF2-40B4-BE49-F238E27FC236}">
-                <a16:creationId xmlns:a16="http://schemas.microsoft.com/office/drawing/2014/main" id="{A2CEB951-F10A-4F6C-ABBD-8DBA2EEEEA3B}"/>
+                <a16:creationId xmlns:a16="http://schemas.microsoft.com/office/drawing/2014/main" id="{E4F59642-6903-46CB-9D22-C182B9F6A4A7}"/>
               </a:ext>
             </a:extLst>
           </p:cNvPr>
@@ -9449,24 +9652,15 @@
             <p:ph type="title"/>
           </p:nvPr>
         </p:nvSpPr>
-        <p:spPr>
-          <a:xfrm>
-            <a:off x="838200" y="365125"/>
-            <a:ext cx="10515600" cy="788035"/>
-          </a:xfrm>
-        </p:spPr>
+        <p:spPr/>
         <p:txBody>
           <a:bodyPr/>
           <a:lstStyle/>
           <a:p>
             <a:r>
-              <a:rPr lang="en-IE" sz="4400" dirty="0">
-                <a:effectLst/>
-                <a:latin typeface="Calibri" panose="020F0502020204030204" pitchFamily="34" charset="0"/>
-              </a:rPr>
-              <a:t>MS SQL is not MySQL. </a:t>
-            </a:r>
-            <a:endParaRPr lang="en-IE" dirty="0"/>
+              <a:rPr lang="en-IE" dirty="0"/>
+              <a:t>Aurora vs Azure SQL</a:t>
+            </a:r>
           </a:p>
         </p:txBody>
       </p:sp>
@@ -9475,7 +9669,7 @@
           <p:cNvPr id="3" name="Content Placeholder 2">
             <a:extLst>
               <a:ext uri="{FF2B5EF4-FFF2-40B4-BE49-F238E27FC236}">
-                <a16:creationId xmlns:a16="http://schemas.microsoft.com/office/drawing/2014/main" id="{6697315A-1699-4F43-8369-CEF3D163A663}"/>
+                <a16:creationId xmlns:a16="http://schemas.microsoft.com/office/drawing/2014/main" id="{9DE018C3-3821-455D-A19B-B5673AA9BD8C}"/>
               </a:ext>
             </a:extLst>
           </p:cNvPr>
@@ -9486,77 +9680,75 @@
             <p:ph idx="1"/>
           </p:nvPr>
         </p:nvSpPr>
-        <p:spPr>
-          <a:xfrm>
-            <a:off x="838200" y="1210944"/>
-            <a:ext cx="10515600" cy="5200015"/>
-          </a:xfrm>
-        </p:spPr>
+        <p:spPr/>
         <p:txBody>
           <a:bodyPr>
-            <a:normAutofit/>
+            <a:normAutofit fontScale="92500"/>
           </a:bodyPr>
           <a:lstStyle/>
           <a:p>
             <a:r>
-              <a:rPr lang="en-GB" dirty="0"/>
-              <a:t>Azure SQL is Microsoft own SQL Server </a:t>
-            </a:r>
-          </a:p>
-          <a:p>
-            <a:r>
-              <a:rPr lang="en-GB" dirty="0"/>
-              <a:t>AWS Aurora is </a:t>
-            </a:r>
-            <a:r>
-              <a:rPr lang="en-GB" dirty="0" err="1"/>
-              <a:t>SAASified</a:t>
-            </a:r>
-            <a:r>
-              <a:rPr lang="en-GB" dirty="0"/>
-              <a:t> MySQL (formerly OSS, owned by Oracle)</a:t>
-            </a:r>
-          </a:p>
-          <a:p>
-            <a:r>
-              <a:rPr lang="en-GB" dirty="0"/>
-              <a:t>Single Vendor</a:t>
-            </a:r>
-          </a:p>
-          <a:p>
-            <a:r>
-              <a:rPr lang="en-GB" dirty="0"/>
-              <a:t>Cross Service Compatibility and integration</a:t>
-            </a:r>
-          </a:p>
-          <a:p>
-            <a:r>
-              <a:rPr lang="en-GB" dirty="0"/>
-              <a:t>Readiness </a:t>
-            </a:r>
-          </a:p>
-          <a:p>
-            <a:r>
-              <a:rPr lang="en-GB" dirty="0"/>
-              <a:t>Technology Maturity </a:t>
-            </a:r>
-          </a:p>
-          <a:p>
-            <a:r>
-              <a:rPr lang="en-GB" dirty="0"/>
-              <a:t>Enterprise Readiness</a:t>
-            </a:r>
-          </a:p>
-          <a:p>
-            <a:r>
-              <a:rPr lang="en-GB" dirty="0"/>
-              <a:t>Replication</a:t>
-            </a:r>
-          </a:p>
-          <a:p>
-            <a:r>
-              <a:rPr lang="en-GB" dirty="0"/>
-              <a:t>Internal Competencies </a:t>
+              <a:rPr lang="en-IE" dirty="0"/>
+              <a:t>Aurora is proprietary forked MySQL. Migration will be needed for onboarding and offboarding</a:t>
+            </a:r>
+          </a:p>
+          <a:p>
+            <a:r>
+              <a:rPr lang="en-IE" dirty="0"/>
+              <a:t>No </a:t>
+            </a:r>
+            <a:r>
+              <a:rPr lang="en-IE" dirty="0">
+                <a:hlinkClick r:id="rId3"/>
+              </a:rPr>
+              <a:t>In-Memory technology</a:t>
+            </a:r>
+            <a:endParaRPr lang="en-IE" dirty="0"/>
+          </a:p>
+          <a:p>
+            <a:r>
+              <a:rPr lang="en-IE" dirty="0"/>
+              <a:t>No Intelligent Query Processing</a:t>
+            </a:r>
+          </a:p>
+          <a:p>
+            <a:r>
+              <a:rPr lang="en-IE" dirty="0"/>
+              <a:t>No ML-based advisors on query processing (30-40% productivity gains)</a:t>
+            </a:r>
+          </a:p>
+          <a:p>
+            <a:r>
+              <a:rPr lang="en-IE" dirty="0"/>
+              <a:t>No Enterprise Security Features</a:t>
+            </a:r>
+          </a:p>
+          <a:p>
+            <a:pPr lvl="1"/>
+            <a:r>
+              <a:rPr lang="en-IE" dirty="0"/>
+              <a:t>No Transparent Data Encryption (TDE)</a:t>
+            </a:r>
+          </a:p>
+          <a:p>
+            <a:pPr lvl="1"/>
+            <a:r>
+              <a:rPr lang="en-IE" dirty="0"/>
+              <a:t>No Always Encrypted </a:t>
+            </a:r>
+          </a:p>
+          <a:p>
+            <a:pPr lvl="1"/>
+            <a:r>
+              <a:rPr lang="en-IE" dirty="0"/>
+              <a:t>No Dynamic Data Masking </a:t>
+            </a:r>
+          </a:p>
+          <a:p>
+            <a:pPr lvl="1"/>
+            <a:r>
+              <a:rPr lang="en-IE" dirty="0"/>
+              <a:t>No ML Based security protection in the cloud</a:t>
             </a:r>
           </a:p>
           <a:p>
@@ -9567,7 +9759,7 @@
     </p:spTree>
     <p:extLst>
       <p:ext uri="{BB962C8B-B14F-4D97-AF65-F5344CB8AC3E}">
-        <p14:creationId xmlns:p14="http://schemas.microsoft.com/office/powerpoint/2010/main" val="1920288704"/>
+        <p14:creationId xmlns:p14="http://schemas.microsoft.com/office/powerpoint/2010/main" val="771561340"/>
       </p:ext>
     </p:extLst>
   </p:cSld>
@@ -9599,7 +9791,7 @@
           <p:cNvPr id="2" name="Title 1">
             <a:extLst>
               <a:ext uri="{FF2B5EF4-FFF2-40B4-BE49-F238E27FC236}">
-                <a16:creationId xmlns:a16="http://schemas.microsoft.com/office/drawing/2014/main" id="{998358FA-872D-4FBA-B00E-36ECC41C8A32}"/>
+                <a16:creationId xmlns:a16="http://schemas.microsoft.com/office/drawing/2014/main" id="{A2CEB951-F10A-4F6C-ABBD-8DBA2EEEEA3B}"/>
               </a:ext>
             </a:extLst>
           </p:cNvPr>
@@ -9610,52 +9802,125 @@
             <p:ph type="title"/>
           </p:nvPr>
         </p:nvSpPr>
-        <p:spPr/>
+        <p:spPr>
+          <a:xfrm>
+            <a:off x="838200" y="365125"/>
+            <a:ext cx="10515600" cy="788035"/>
+          </a:xfrm>
+        </p:spPr>
         <p:txBody>
           <a:bodyPr/>
           <a:lstStyle/>
           <a:p>
             <a:r>
-              <a:rPr lang="en-IE" dirty="0"/>
-              <a:t>AWS Aurora SLA</a:t>
-            </a:r>
+              <a:rPr lang="en-IE" sz="4400" dirty="0">
+                <a:effectLst/>
+                <a:latin typeface="Calibri" panose="020F0502020204030204" pitchFamily="34" charset="0"/>
+              </a:rPr>
+              <a:t>MS SQL is not MySQL. </a:t>
+            </a:r>
+            <a:endParaRPr lang="en-IE" dirty="0"/>
           </a:p>
         </p:txBody>
       </p:sp>
-      <p:pic>
-        <p:nvPicPr>
-          <p:cNvPr id="5" name="Picture 4">
+      <p:sp>
+        <p:nvSpPr>
+          <p:cNvPr id="3" name="Content Placeholder 2">
             <a:extLst>
               <a:ext uri="{FF2B5EF4-FFF2-40B4-BE49-F238E27FC236}">
-                <a16:creationId xmlns:a16="http://schemas.microsoft.com/office/drawing/2014/main" id="{6EA2F876-753F-480A-8938-9D424CF6BFBE}"/>
+                <a16:creationId xmlns:a16="http://schemas.microsoft.com/office/drawing/2014/main" id="{6697315A-1699-4F43-8369-CEF3D163A663}"/>
               </a:ext>
             </a:extLst>
           </p:cNvPr>
-          <p:cNvPicPr>
-            <a:picLocks noChangeAspect="1"/>
-          </p:cNvPicPr>
-          <p:nvPr/>
-        </p:nvPicPr>
-        <p:blipFill>
-          <a:blip r:embed="rId3"/>
-          <a:stretch>
-            <a:fillRect/>
-          </a:stretch>
-        </p:blipFill>
+          <p:cNvSpPr>
+            <a:spLocks noGrp="1"/>
+          </p:cNvSpPr>
+          <p:nvPr>
+            <p:ph idx="1"/>
+          </p:nvPr>
+        </p:nvSpPr>
         <p:spPr>
           <a:xfrm>
-            <a:off x="1102360" y="1797065"/>
-            <a:ext cx="9646920" cy="4143717"/>
+            <a:off x="838200" y="1210944"/>
+            <a:ext cx="10515600" cy="5200015"/>
           </a:xfrm>
-          <a:prstGeom prst="rect">
-            <a:avLst/>
-          </a:prstGeom>
         </p:spPr>
-      </p:pic>
+        <p:txBody>
+          <a:bodyPr>
+            <a:normAutofit/>
+          </a:bodyPr>
+          <a:lstStyle/>
+          <a:p>
+            <a:r>
+              <a:rPr lang="en-GB" dirty="0"/>
+              <a:t>Azure SQL is Microsoft own SQL Server </a:t>
+            </a:r>
+          </a:p>
+          <a:p>
+            <a:r>
+              <a:rPr lang="en-GB" dirty="0"/>
+              <a:t>AWS Aurora is </a:t>
+            </a:r>
+            <a:r>
+              <a:rPr lang="en-GB" dirty="0" err="1"/>
+              <a:t>SAASified</a:t>
+            </a:r>
+            <a:r>
+              <a:rPr lang="en-GB" dirty="0"/>
+              <a:t> MySQL (formerly OSS, owned by Oracle)</a:t>
+            </a:r>
+          </a:p>
+          <a:p>
+            <a:r>
+              <a:rPr lang="en-GB" dirty="0"/>
+              <a:t>Single Vendor</a:t>
+            </a:r>
+          </a:p>
+          <a:p>
+            <a:r>
+              <a:rPr lang="en-GB" dirty="0"/>
+              <a:t>Cross Service Compatibility and integration</a:t>
+            </a:r>
+          </a:p>
+          <a:p>
+            <a:r>
+              <a:rPr lang="en-GB" dirty="0"/>
+              <a:t>Readiness </a:t>
+            </a:r>
+          </a:p>
+          <a:p>
+            <a:r>
+              <a:rPr lang="en-GB" dirty="0"/>
+              <a:t>Technology Maturity </a:t>
+            </a:r>
+          </a:p>
+          <a:p>
+            <a:r>
+              <a:rPr lang="en-GB" dirty="0"/>
+              <a:t>Enterprise Readiness</a:t>
+            </a:r>
+          </a:p>
+          <a:p>
+            <a:r>
+              <a:rPr lang="en-GB" dirty="0"/>
+              <a:t>Replication</a:t>
+            </a:r>
+          </a:p>
+          <a:p>
+            <a:r>
+              <a:rPr lang="en-GB" dirty="0"/>
+              <a:t>Internal Competencies </a:t>
+            </a:r>
+          </a:p>
+          <a:p>
+            <a:endParaRPr lang="en-IE" dirty="0"/>
+          </a:p>
+        </p:txBody>
+      </p:sp>
     </p:spTree>
     <p:extLst>
       <p:ext uri="{BB962C8B-B14F-4D97-AF65-F5344CB8AC3E}">
-        <p14:creationId xmlns:p14="http://schemas.microsoft.com/office/powerpoint/2010/main" val="3747330040"/>
+        <p14:creationId xmlns:p14="http://schemas.microsoft.com/office/powerpoint/2010/main" val="1920288704"/>
       </p:ext>
     </p:extLst>
   </p:cSld>
